--- a/!!!-Система_Internet-продажи_кондитерских_изделий.pptx
+++ b/!!!-Система_Internet-продажи_кондитерских_изделий.pptx
@@ -4319,16 +4319,16 @@
           <a:p>
             <a:pPr algn="ctr"/>
             <a:r>
+              <a:rPr lang="ru-RU" sz="3200" b="1" dirty="0"/>
+              <a:t>производить данные процессы </a:t>
+            </a:r>
+            <a:r>
               <a:rPr lang="ru-RU" sz="3200" b="1" dirty="0" smtClean="0"/>
-              <a:t>использовать </a:t>
-            </a:r>
-            <a:r>
-              <a:rPr lang="ru-RU" sz="3200" b="1" dirty="0"/>
-              <a:t>систему </a:t>
+              <a:t>удаленно</a:t>
             </a:r>
             <a:r>
               <a:rPr lang="ru-RU" sz="3200" b="1" dirty="0" smtClean="0"/>
-              <a:t>удаленно.</a:t>
+              <a:t>.</a:t>
             </a:r>
           </a:p>
         </p:txBody>
